--- a/Database Administrator/Module5-Database Development/5.2-Strategic Database Selection Matching Types with Analysis Needs(2th-4p)/Strategic Database Selection Matching.pptx
+++ b/Database Administrator/Module5-Database Development/5.2-Strategic Database Selection Matching Types with Analysis Needs(2th-4p)/Strategic Database Selection Matching.pptx
@@ -184,14 +184,6 @@
           <pc:docMk/>
           <pc:sldMk cId="349747687" sldId="263"/>
         </pc:sldMkLst>
-        <pc:spChg chg="del mod">
-          <ac:chgData name="Krishna Kant Dubey" userId="cd28fa1e1902c48d" providerId="LiveId" clId="{84A4DE23-FED3-40A6-B3C6-7D297E08EAE1}" dt="2025-08-07T14:31:38.700" v="115" actId="478"/>
-          <ac:spMkLst>
-            <pc:docMk/>
-            <pc:sldMk cId="349747687" sldId="263"/>
-            <ac:spMk id="2" creationId="{BF85B148-95F5-F557-1684-748C83907FE0}"/>
-          </ac:spMkLst>
-        </pc:spChg>
         <pc:spChg chg="mod">
           <ac:chgData name="Krishna Kant Dubey" userId="cd28fa1e1902c48d" providerId="LiveId" clId="{84A4DE23-FED3-40A6-B3C6-7D297E08EAE1}" dt="2025-08-07T14:31:08.577" v="111" actId="20577"/>
           <ac:spMkLst>
@@ -200,14 +192,6 @@
             <ac:spMk id="12" creationId="{8EF55225-7A9D-D092-D512-6583849764F6}"/>
           </ac:spMkLst>
         </pc:spChg>
-        <pc:graphicFrameChg chg="add mod modGraphic">
-          <ac:chgData name="Krishna Kant Dubey" userId="cd28fa1e1902c48d" providerId="LiveId" clId="{84A4DE23-FED3-40A6-B3C6-7D297E08EAE1}" dt="2025-08-07T14:39:18.464" v="282"/>
-          <ac:graphicFrameMkLst>
-            <pc:docMk/>
-            <pc:sldMk cId="349747687" sldId="263"/>
-            <ac:graphicFrameMk id="3" creationId="{EA74A5B0-444A-7D50-60F6-B02884260566}"/>
-          </ac:graphicFrameMkLst>
-        </pc:graphicFrameChg>
       </pc:sldChg>
       <pc:sldChg chg="del">
         <pc:chgData name="Krishna Kant Dubey" userId="cd28fa1e1902c48d" providerId="LiveId" clId="{84A4DE23-FED3-40A6-B3C6-7D297E08EAE1}" dt="2025-08-07T14:27:27.763" v="108" actId="2696"/>
@@ -229,38 +213,6 @@
           <pc:docMk/>
           <pc:sldMk cId="3493401632" sldId="264"/>
         </pc:sldMkLst>
-        <pc:spChg chg="add mod">
-          <ac:chgData name="Krishna Kant Dubey" userId="cd28fa1e1902c48d" providerId="LiveId" clId="{84A4DE23-FED3-40A6-B3C6-7D297E08EAE1}" dt="2025-08-07T14:33:44.693" v="193"/>
-          <ac:spMkLst>
-            <pc:docMk/>
-            <pc:sldMk cId="3493401632" sldId="264"/>
-            <ac:spMk id="4" creationId="{3F54973F-40F9-54E9-C494-B854186BAF45}"/>
-          </ac:spMkLst>
-        </pc:spChg>
-        <pc:spChg chg="add mod">
-          <ac:chgData name="Krishna Kant Dubey" userId="cd28fa1e1902c48d" providerId="LiveId" clId="{84A4DE23-FED3-40A6-B3C6-7D297E08EAE1}" dt="2025-08-07T14:33:58.876" v="195"/>
-          <ac:spMkLst>
-            <pc:docMk/>
-            <pc:sldMk cId="3493401632" sldId="264"/>
-            <ac:spMk id="6" creationId="{DFE7B0E6-5DFC-948B-30A4-D869E29BC901}"/>
-          </ac:spMkLst>
-        </pc:spChg>
-        <pc:spChg chg="add mod">
-          <ac:chgData name="Krishna Kant Dubey" userId="cd28fa1e1902c48d" providerId="LiveId" clId="{84A4DE23-FED3-40A6-B3C6-7D297E08EAE1}" dt="2025-08-07T14:34:15.782" v="197"/>
-          <ac:spMkLst>
-            <pc:docMk/>
-            <pc:sldMk cId="3493401632" sldId="264"/>
-            <ac:spMk id="8" creationId="{41BD470A-2EAE-C50A-B901-7D3E6FD06112}"/>
-          </ac:spMkLst>
-        </pc:spChg>
-        <pc:spChg chg="add mod">
-          <ac:chgData name="Krishna Kant Dubey" userId="cd28fa1e1902c48d" providerId="LiveId" clId="{84A4DE23-FED3-40A6-B3C6-7D297E08EAE1}" dt="2025-08-07T14:34:34.176" v="199"/>
-          <ac:spMkLst>
-            <pc:docMk/>
-            <pc:sldMk cId="3493401632" sldId="264"/>
-            <ac:spMk id="11" creationId="{9DC1BE1C-1C57-A6A6-783C-218743778DCA}"/>
-          </ac:spMkLst>
-        </pc:spChg>
         <pc:spChg chg="mod">
           <ac:chgData name="Krishna Kant Dubey" userId="cd28fa1e1902c48d" providerId="LiveId" clId="{84A4DE23-FED3-40A6-B3C6-7D297E08EAE1}" dt="2025-08-07T14:35:29.804" v="205"/>
           <ac:spMkLst>
@@ -269,54 +221,6 @@
             <ac:spMk id="12" creationId="{C4BAF04C-05FA-01F0-9477-3DF5B7CA5EBB}"/>
           </ac:spMkLst>
         </pc:spChg>
-        <pc:graphicFrameChg chg="add mod">
-          <ac:chgData name="Krishna Kant Dubey" userId="cd28fa1e1902c48d" providerId="LiveId" clId="{84A4DE23-FED3-40A6-B3C6-7D297E08EAE1}" dt="2025-08-07T14:33:43.156" v="192"/>
-          <ac:graphicFrameMkLst>
-            <pc:docMk/>
-            <pc:sldMk cId="3493401632" sldId="264"/>
-            <ac:graphicFrameMk id="2" creationId="{E7F29FCC-9091-A6CB-1F60-98D09CF73692}"/>
-          </ac:graphicFrameMkLst>
-        </pc:graphicFrameChg>
-        <pc:graphicFrameChg chg="del mod modGraphic">
-          <ac:chgData name="Krishna Kant Dubey" userId="cd28fa1e1902c48d" providerId="LiveId" clId="{84A4DE23-FED3-40A6-B3C6-7D297E08EAE1}" dt="2025-08-07T14:35:14.950" v="204" actId="478"/>
-          <ac:graphicFrameMkLst>
-            <pc:docMk/>
-            <pc:sldMk cId="3493401632" sldId="264"/>
-            <ac:graphicFrameMk id="3" creationId="{07B44AC8-5757-B267-5A68-2F6C5CC014F0}"/>
-          </ac:graphicFrameMkLst>
-        </pc:graphicFrameChg>
-        <pc:graphicFrameChg chg="add mod">
-          <ac:chgData name="Krishna Kant Dubey" userId="cd28fa1e1902c48d" providerId="LiveId" clId="{84A4DE23-FED3-40A6-B3C6-7D297E08EAE1}" dt="2025-08-07T14:33:57.526" v="194"/>
-          <ac:graphicFrameMkLst>
-            <pc:docMk/>
-            <pc:sldMk cId="3493401632" sldId="264"/>
-            <ac:graphicFrameMk id="5" creationId="{5BA58B11-8AAB-0ADC-F3AE-352E7375CE80}"/>
-          </ac:graphicFrameMkLst>
-        </pc:graphicFrameChg>
-        <pc:graphicFrameChg chg="add mod">
-          <ac:chgData name="Krishna Kant Dubey" userId="cd28fa1e1902c48d" providerId="LiveId" clId="{84A4DE23-FED3-40A6-B3C6-7D297E08EAE1}" dt="2025-08-07T14:34:11.406" v="196"/>
-          <ac:graphicFrameMkLst>
-            <pc:docMk/>
-            <pc:sldMk cId="3493401632" sldId="264"/>
-            <ac:graphicFrameMk id="7" creationId="{AC137C75-CCE9-2CA6-097F-23F68F89E618}"/>
-          </ac:graphicFrameMkLst>
-        </pc:graphicFrameChg>
-        <pc:graphicFrameChg chg="add mod">
-          <ac:chgData name="Krishna Kant Dubey" userId="cd28fa1e1902c48d" providerId="LiveId" clId="{84A4DE23-FED3-40A6-B3C6-7D297E08EAE1}" dt="2025-08-07T14:34:32.623" v="198"/>
-          <ac:graphicFrameMkLst>
-            <pc:docMk/>
-            <pc:sldMk cId="3493401632" sldId="264"/>
-            <ac:graphicFrameMk id="10" creationId="{0F892739-9E02-43C8-AA23-09BD4DCE46B0}"/>
-          </ac:graphicFrameMkLst>
-        </pc:graphicFrameChg>
-        <pc:graphicFrameChg chg="add mod modGraphic">
-          <ac:chgData name="Krishna Kant Dubey" userId="cd28fa1e1902c48d" providerId="LiveId" clId="{84A4DE23-FED3-40A6-B3C6-7D297E08EAE1}" dt="2025-08-07T14:39:21.716" v="283" actId="108"/>
-          <ac:graphicFrameMkLst>
-            <pc:docMk/>
-            <pc:sldMk cId="3493401632" sldId="264"/>
-            <ac:graphicFrameMk id="13" creationId="{BB4595CF-7BC6-AB69-90C4-916B3FA8DFF0}"/>
-          </ac:graphicFrameMkLst>
-        </pc:graphicFrameChg>
       </pc:sldChg>
       <pc:sldChg chg="del">
         <pc:chgData name="Krishna Kant Dubey" userId="cd28fa1e1902c48d" providerId="LiveId" clId="{84A4DE23-FED3-40A6-B3C6-7D297E08EAE1}" dt="2025-08-07T14:27:27.763" v="108" actId="2696"/>
@@ -557,22 +461,6 @@
           <pc:docMk/>
           <pc:sldMk cId="1248854694" sldId="262"/>
         </pc:sldMkLst>
-        <pc:spChg chg="del mod">
-          <ac:chgData name="Krishna Kant Dubey" userId="cd28fa1e1902c48d" providerId="LiveId" clId="{F3C5F2BA-F452-4AB9-BD00-EA8AA37CF020}" dt="2025-08-08T07:45:15.885" v="52" actId="478"/>
-          <ac:spMkLst>
-            <pc:docMk/>
-            <pc:sldMk cId="1248854694" sldId="262"/>
-            <ac:spMk id="2" creationId="{8FB604A4-D687-2C4C-32B9-200BFDD9E2B7}"/>
-          </ac:spMkLst>
-        </pc:spChg>
-        <pc:spChg chg="add mod">
-          <ac:chgData name="Krishna Kant Dubey" userId="cd28fa1e1902c48d" providerId="LiveId" clId="{F3C5F2BA-F452-4AB9-BD00-EA8AA37CF020}" dt="2025-08-08T09:39:58.203" v="356" actId="20577"/>
-          <ac:spMkLst>
-            <pc:docMk/>
-            <pc:sldMk cId="1248854694" sldId="262"/>
-            <ac:spMk id="3" creationId="{F4F21FAC-EB88-4BC1-8687-3E32C62F0612}"/>
-          </ac:spMkLst>
-        </pc:spChg>
         <pc:spChg chg="mod">
           <ac:chgData name="Krishna Kant Dubey" userId="cd28fa1e1902c48d" providerId="LiveId" clId="{F3C5F2BA-F452-4AB9-BD00-EA8AA37CF020}" dt="2025-08-08T07:46:15.474" v="61" actId="20577"/>
           <ac:spMkLst>
@@ -612,14 +500,6 @@
             <ac:graphicFrameMk id="2" creationId="{E6304D91-EAA3-83D2-F49A-F69147DC9D94}"/>
           </ac:graphicFrameMkLst>
         </pc:graphicFrameChg>
-        <pc:graphicFrameChg chg="del">
-          <ac:chgData name="Krishna Kant Dubey" userId="cd28fa1e1902c48d" providerId="LiveId" clId="{F3C5F2BA-F452-4AB9-BD00-EA8AA37CF020}" dt="2025-08-08T07:48:21.529" v="79" actId="478"/>
-          <ac:graphicFrameMkLst>
-            <pc:docMk/>
-            <pc:sldMk cId="349747687" sldId="263"/>
-            <ac:graphicFrameMk id="3" creationId="{EA74A5B0-444A-7D50-60F6-B02884260566}"/>
-          </ac:graphicFrameMkLst>
-        </pc:graphicFrameChg>
         <pc:picChg chg="mod">
           <ac:chgData name="Krishna Kant Dubey" userId="cd28fa1e1902c48d" providerId="LiveId" clId="{F3C5F2BA-F452-4AB9-BD00-EA8AA37CF020}" dt="2025-08-08T08:18:28.942" v="183" actId="14100"/>
           <ac:picMkLst>
@@ -643,22 +523,6 @@
             <ac:spMk id="12" creationId="{C4BAF04C-05FA-01F0-9477-3DF5B7CA5EBB}"/>
           </ac:spMkLst>
         </pc:spChg>
-        <pc:graphicFrameChg chg="add mod modGraphic">
-          <ac:chgData name="Krishna Kant Dubey" userId="cd28fa1e1902c48d" providerId="LiveId" clId="{F3C5F2BA-F452-4AB9-BD00-EA8AA37CF020}" dt="2025-08-08T09:05:48.355" v="254" actId="14100"/>
-          <ac:graphicFrameMkLst>
-            <pc:docMk/>
-            <pc:sldMk cId="3493401632" sldId="264"/>
-            <ac:graphicFrameMk id="2" creationId="{30A13269-7C92-01D8-9D84-FC05DCF6CBC6}"/>
-          </ac:graphicFrameMkLst>
-        </pc:graphicFrameChg>
-        <pc:graphicFrameChg chg="del">
-          <ac:chgData name="Krishna Kant Dubey" userId="cd28fa1e1902c48d" providerId="LiveId" clId="{F3C5F2BA-F452-4AB9-BD00-EA8AA37CF020}" dt="2025-08-08T08:18:38.312" v="184" actId="478"/>
-          <ac:graphicFrameMkLst>
-            <pc:docMk/>
-            <pc:sldMk cId="3493401632" sldId="264"/>
-            <ac:graphicFrameMk id="13" creationId="{BB4595CF-7BC6-AB69-90C4-916B3FA8DFF0}"/>
-          </ac:graphicFrameMkLst>
-        </pc:graphicFrameChg>
       </pc:sldChg>
       <pc:sldChg chg="modSp add mod">
         <pc:chgData name="Krishna Kant Dubey" userId="cd28fa1e1902c48d" providerId="LiveId" clId="{F3C5F2BA-F452-4AB9-BD00-EA8AA37CF020}" dt="2025-08-08T09:13:34.554" v="314"/>
@@ -666,22 +530,6 @@
           <pc:docMk/>
           <pc:sldMk cId="3516519149" sldId="265"/>
         </pc:sldMkLst>
-        <pc:spChg chg="mod">
-          <ac:chgData name="Krishna Kant Dubey" userId="cd28fa1e1902c48d" providerId="LiveId" clId="{F3C5F2BA-F452-4AB9-BD00-EA8AA37CF020}" dt="2025-08-08T09:12:28.121" v="308" actId="207"/>
-          <ac:spMkLst>
-            <pc:docMk/>
-            <pc:sldMk cId="3516519149" sldId="265"/>
-            <ac:spMk id="12" creationId="{92DDACC0-04F0-FD39-C9D1-3BFBB76CAA4E}"/>
-          </ac:spMkLst>
-        </pc:spChg>
-        <pc:graphicFrameChg chg="mod">
-          <ac:chgData name="Krishna Kant Dubey" userId="cd28fa1e1902c48d" providerId="LiveId" clId="{F3C5F2BA-F452-4AB9-BD00-EA8AA37CF020}" dt="2025-08-08T09:13:34.554" v="314"/>
-          <ac:graphicFrameMkLst>
-            <pc:docMk/>
-            <pc:sldMk cId="3516519149" sldId="265"/>
-            <ac:graphicFrameMk id="2" creationId="{8A81C769-3A65-4AF8-9A77-EBDF295A95EC}"/>
-          </ac:graphicFrameMkLst>
-        </pc:graphicFrameChg>
       </pc:sldChg>
       <pc:sldChg chg="modSp add mod">
         <pc:chgData name="Krishna Kant Dubey" userId="cd28fa1e1902c48d" providerId="LiveId" clId="{F3C5F2BA-F452-4AB9-BD00-EA8AA37CF020}" dt="2025-08-08T09:28:47.397" v="326" actId="113"/>
@@ -689,22 +537,6 @@
           <pc:docMk/>
           <pc:sldMk cId="2771002345" sldId="266"/>
         </pc:sldMkLst>
-        <pc:spChg chg="mod">
-          <ac:chgData name="Krishna Kant Dubey" userId="cd28fa1e1902c48d" providerId="LiveId" clId="{F3C5F2BA-F452-4AB9-BD00-EA8AA37CF020}" dt="2025-08-08T09:28:47.397" v="326" actId="113"/>
-          <ac:spMkLst>
-            <pc:docMk/>
-            <pc:sldMk cId="2771002345" sldId="266"/>
-            <ac:spMk id="12" creationId="{22B0E99B-D97E-82CF-3B54-497D2E42DD71}"/>
-          </ac:spMkLst>
-        </pc:spChg>
-        <pc:graphicFrameChg chg="mod">
-          <ac:chgData name="Krishna Kant Dubey" userId="cd28fa1e1902c48d" providerId="LiveId" clId="{F3C5F2BA-F452-4AB9-BD00-EA8AA37CF020}" dt="2025-08-08T09:17:22.537" v="325"/>
-          <ac:graphicFrameMkLst>
-            <pc:docMk/>
-            <pc:sldMk cId="2771002345" sldId="266"/>
-            <ac:graphicFrameMk id="2" creationId="{3943F2F4-0B8E-582A-11F2-5E985C8237C7}"/>
-          </ac:graphicFrameMkLst>
-        </pc:graphicFrameChg>
       </pc:sldChg>
       <pc:sldChg chg="modSp add mod">
         <pc:chgData name="Krishna Kant Dubey" userId="cd28fa1e1902c48d" providerId="LiveId" clId="{F3C5F2BA-F452-4AB9-BD00-EA8AA37CF020}" dt="2025-08-08T09:31:38.355" v="336"/>
@@ -712,22 +544,6 @@
           <pc:docMk/>
           <pc:sldMk cId="516439473" sldId="267"/>
         </pc:sldMkLst>
-        <pc:spChg chg="mod">
-          <ac:chgData name="Krishna Kant Dubey" userId="cd28fa1e1902c48d" providerId="LiveId" clId="{F3C5F2BA-F452-4AB9-BD00-EA8AA37CF020}" dt="2025-08-08T09:30:00.876" v="330" actId="207"/>
-          <ac:spMkLst>
-            <pc:docMk/>
-            <pc:sldMk cId="516439473" sldId="267"/>
-            <ac:spMk id="12" creationId="{B90E07E1-AD9B-BC34-0AA9-101314613D84}"/>
-          </ac:spMkLst>
-        </pc:spChg>
-        <pc:graphicFrameChg chg="mod">
-          <ac:chgData name="Krishna Kant Dubey" userId="cd28fa1e1902c48d" providerId="LiveId" clId="{F3C5F2BA-F452-4AB9-BD00-EA8AA37CF020}" dt="2025-08-08T09:31:38.355" v="336"/>
-          <ac:graphicFrameMkLst>
-            <pc:docMk/>
-            <pc:sldMk cId="516439473" sldId="267"/>
-            <ac:graphicFrameMk id="2" creationId="{F37B8C10-DBCC-1F8F-90BC-3BC63C305951}"/>
-          </ac:graphicFrameMkLst>
-        </pc:graphicFrameChg>
       </pc:sldChg>
       <pc:sldChg chg="addSp modSp add mod">
         <pc:chgData name="Krishna Kant Dubey" userId="cd28fa1e1902c48d" providerId="LiveId" clId="{F3C5F2BA-F452-4AB9-BD00-EA8AA37CF020}" dt="2025-08-08T09:39:40.850" v="355" actId="113"/>
@@ -735,70 +551,6 @@
           <pc:docMk/>
           <pc:sldMk cId="4138379922" sldId="268"/>
         </pc:sldMkLst>
-        <pc:spChg chg="add mod">
-          <ac:chgData name="Krishna Kant Dubey" userId="cd28fa1e1902c48d" providerId="LiveId" clId="{F3C5F2BA-F452-4AB9-BD00-EA8AA37CF020}" dt="2025-08-08T09:36:52.463" v="344"/>
-          <ac:spMkLst>
-            <pc:docMk/>
-            <pc:sldMk cId="4138379922" sldId="268"/>
-            <ac:spMk id="5" creationId="{9BC7E600-8EC8-BF1F-F43D-91A722337460}"/>
-          </ac:spMkLst>
-        </pc:spChg>
-        <pc:spChg chg="add mod">
-          <ac:chgData name="Krishna Kant Dubey" userId="cd28fa1e1902c48d" providerId="LiveId" clId="{F3C5F2BA-F452-4AB9-BD00-EA8AA37CF020}" dt="2025-08-08T09:37:11.841" v="346"/>
-          <ac:spMkLst>
-            <pc:docMk/>
-            <pc:sldMk cId="4138379922" sldId="268"/>
-            <ac:spMk id="8" creationId="{BBF57219-3216-CE6C-7812-1F605A08BCC8}"/>
-          </ac:spMkLst>
-        </pc:spChg>
-        <pc:spChg chg="mod">
-          <ac:chgData name="Krishna Kant Dubey" userId="cd28fa1e1902c48d" providerId="LiveId" clId="{F3C5F2BA-F452-4AB9-BD00-EA8AA37CF020}" dt="2025-08-08T09:39:40.850" v="355" actId="113"/>
-          <ac:spMkLst>
-            <pc:docMk/>
-            <pc:sldMk cId="4138379922" sldId="268"/>
-            <ac:spMk id="12" creationId="{4228B23B-A752-9F83-304F-E994E3E509D9}"/>
-          </ac:spMkLst>
-        </pc:spChg>
-        <pc:graphicFrameChg chg="mod">
-          <ac:chgData name="Krishna Kant Dubey" userId="cd28fa1e1902c48d" providerId="LiveId" clId="{F3C5F2BA-F452-4AB9-BD00-EA8AA37CF020}" dt="2025-08-08T09:39:07.302" v="354"/>
-          <ac:graphicFrameMkLst>
-            <pc:docMk/>
-            <pc:sldMk cId="4138379922" sldId="268"/>
-            <ac:graphicFrameMk id="2" creationId="{408D8F4A-5DA4-FE03-74C0-826DD05B762C}"/>
-          </ac:graphicFrameMkLst>
-        </pc:graphicFrameChg>
-        <pc:graphicFrameChg chg="add mod">
-          <ac:chgData name="Krishna Kant Dubey" userId="cd28fa1e1902c48d" providerId="LiveId" clId="{F3C5F2BA-F452-4AB9-BD00-EA8AA37CF020}" dt="2025-08-08T09:36:51.193" v="343"/>
-          <ac:graphicFrameMkLst>
-            <pc:docMk/>
-            <pc:sldMk cId="4138379922" sldId="268"/>
-            <ac:graphicFrameMk id="3" creationId="{4615C677-AA10-2B0A-8598-174752AAD726}"/>
-          </ac:graphicFrameMkLst>
-        </pc:graphicFrameChg>
-        <pc:graphicFrameChg chg="add mod">
-          <ac:chgData name="Krishna Kant Dubey" userId="cd28fa1e1902c48d" providerId="LiveId" clId="{F3C5F2BA-F452-4AB9-BD00-EA8AA37CF020}" dt="2025-08-08T09:36:51.193" v="343"/>
-          <ac:graphicFrameMkLst>
-            <pc:docMk/>
-            <pc:sldMk cId="4138379922" sldId="268"/>
-            <ac:graphicFrameMk id="4" creationId="{E2228E2B-0E94-007D-7749-F6A7017967DE}"/>
-          </ac:graphicFrameMkLst>
-        </pc:graphicFrameChg>
-        <pc:graphicFrameChg chg="add mod">
-          <ac:chgData name="Krishna Kant Dubey" userId="cd28fa1e1902c48d" providerId="LiveId" clId="{F3C5F2BA-F452-4AB9-BD00-EA8AA37CF020}" dt="2025-08-08T09:37:10.518" v="345"/>
-          <ac:graphicFrameMkLst>
-            <pc:docMk/>
-            <pc:sldMk cId="4138379922" sldId="268"/>
-            <ac:graphicFrameMk id="6" creationId="{9AC9ADF4-95F9-59E1-D864-7B6710755961}"/>
-          </ac:graphicFrameMkLst>
-        </pc:graphicFrameChg>
-        <pc:graphicFrameChg chg="add mod">
-          <ac:chgData name="Krishna Kant Dubey" userId="cd28fa1e1902c48d" providerId="LiveId" clId="{F3C5F2BA-F452-4AB9-BD00-EA8AA37CF020}" dt="2025-08-08T09:37:10.518" v="345"/>
-          <ac:graphicFrameMkLst>
-            <pc:docMk/>
-            <pc:sldMk cId="4138379922" sldId="268"/>
-            <ac:graphicFrameMk id="7" creationId="{349E1567-564D-8D46-EEB4-3ED28E816A5A}"/>
-          </ac:graphicFrameMkLst>
-        </pc:graphicFrameChg>
       </pc:sldChg>
       <pc:sldChg chg="addSp modSp add">
         <pc:chgData name="Krishna Kant Dubey" userId="cd28fa1e1902c48d" providerId="LiveId" clId="{F3C5F2BA-F452-4AB9-BD00-EA8AA37CF020}" dt="2025-08-08T09:32:58.697" v="342"/>
@@ -806,54 +558,6 @@
           <pc:docMk/>
           <pc:sldMk cId="4212594746" sldId="269"/>
         </pc:sldMkLst>
-        <pc:spChg chg="add mod">
-          <ac:chgData name="Krishna Kant Dubey" userId="cd28fa1e1902c48d" providerId="LiveId" clId="{F3C5F2BA-F452-4AB9-BD00-EA8AA37CF020}" dt="2025-08-08T09:32:47.369" v="340"/>
-          <ac:spMkLst>
-            <pc:docMk/>
-            <pc:sldMk cId="4212594746" sldId="269"/>
-            <ac:spMk id="5" creationId="{FB8882AD-E807-2907-40ED-C7409E18537D}"/>
-          </ac:spMkLst>
-        </pc:spChg>
-        <pc:spChg chg="add mod">
-          <ac:chgData name="Krishna Kant Dubey" userId="cd28fa1e1902c48d" providerId="LiveId" clId="{F3C5F2BA-F452-4AB9-BD00-EA8AA37CF020}" dt="2025-08-08T09:32:58.697" v="342"/>
-          <ac:spMkLst>
-            <pc:docMk/>
-            <pc:sldMk cId="4212594746" sldId="269"/>
-            <ac:spMk id="8" creationId="{38C331AE-F8B0-45E0-9F59-A99926BA4A30}"/>
-          </ac:spMkLst>
-        </pc:spChg>
-        <pc:graphicFrameChg chg="add mod">
-          <ac:chgData name="Krishna Kant Dubey" userId="cd28fa1e1902c48d" providerId="LiveId" clId="{F3C5F2BA-F452-4AB9-BD00-EA8AA37CF020}" dt="2025-08-08T09:32:45.964" v="339"/>
-          <ac:graphicFrameMkLst>
-            <pc:docMk/>
-            <pc:sldMk cId="4212594746" sldId="269"/>
-            <ac:graphicFrameMk id="3" creationId="{2AD66583-C78E-136D-6C88-21A2E888FC8D}"/>
-          </ac:graphicFrameMkLst>
-        </pc:graphicFrameChg>
-        <pc:graphicFrameChg chg="add mod">
-          <ac:chgData name="Krishna Kant Dubey" userId="cd28fa1e1902c48d" providerId="LiveId" clId="{F3C5F2BA-F452-4AB9-BD00-EA8AA37CF020}" dt="2025-08-08T09:32:45.964" v="339"/>
-          <ac:graphicFrameMkLst>
-            <pc:docMk/>
-            <pc:sldMk cId="4212594746" sldId="269"/>
-            <ac:graphicFrameMk id="4" creationId="{00FCE0A9-7AFF-6835-431E-700D39526BE5}"/>
-          </ac:graphicFrameMkLst>
-        </pc:graphicFrameChg>
-        <pc:graphicFrameChg chg="add mod">
-          <ac:chgData name="Krishna Kant Dubey" userId="cd28fa1e1902c48d" providerId="LiveId" clId="{F3C5F2BA-F452-4AB9-BD00-EA8AA37CF020}" dt="2025-08-08T09:32:57.314" v="341"/>
-          <ac:graphicFrameMkLst>
-            <pc:docMk/>
-            <pc:sldMk cId="4212594746" sldId="269"/>
-            <ac:graphicFrameMk id="6" creationId="{4AC09C06-C81D-B931-54D8-D00B94605303}"/>
-          </ac:graphicFrameMkLst>
-        </pc:graphicFrameChg>
-        <pc:graphicFrameChg chg="add mod">
-          <ac:chgData name="Krishna Kant Dubey" userId="cd28fa1e1902c48d" providerId="LiveId" clId="{F3C5F2BA-F452-4AB9-BD00-EA8AA37CF020}" dt="2025-08-08T09:32:57.314" v="341"/>
-          <ac:graphicFrameMkLst>
-            <pc:docMk/>
-            <pc:sldMk cId="4212594746" sldId="269"/>
-            <ac:graphicFrameMk id="7" creationId="{AF92A1C7-8310-153E-1133-62C128342415}"/>
-          </ac:graphicFrameMkLst>
-        </pc:graphicFrameChg>
       </pc:sldChg>
     </pc:docChg>
   </pc:docChgLst>
@@ -987,7 +691,7 @@
   <pc:docChgLst>
     <pc:chgData name="Krishna Kant Dubey" userId="cd28fa1e1902c48d" providerId="LiveId" clId="{9D7DB283-8459-4206-96E2-B01EAFFF9444}"/>
     <pc:docChg chg="undo custSel addSld delSld modSld">
-      <pc:chgData name="Krishna Kant Dubey" userId="cd28fa1e1902c48d" providerId="LiveId" clId="{9D7DB283-8459-4206-96E2-B01EAFFF9444}" dt="2025-08-08T10:36:01.987" v="220" actId="207"/>
+      <pc:chgData name="Krishna Kant Dubey" userId="cd28fa1e1902c48d" providerId="LiveId" clId="{9D7DB283-8459-4206-96E2-B01EAFFF9444}" dt="2025-08-11T06:11:43.046" v="221"/>
       <pc:docMkLst>
         <pc:docMk/>
       </pc:docMkLst>
@@ -1006,6 +710,21 @@
           </ac:spMkLst>
         </pc:spChg>
       </pc:sldChg>
+      <pc:sldChg chg="addSp modSp">
+        <pc:chgData name="Krishna Kant Dubey" userId="cd28fa1e1902c48d" providerId="LiveId" clId="{9D7DB283-8459-4206-96E2-B01EAFFF9444}" dt="2025-08-11T06:11:43.046" v="221"/>
+        <pc:sldMkLst>
+          <pc:docMk/>
+          <pc:sldMk cId="2381247086" sldId="257"/>
+        </pc:sldMkLst>
+        <pc:picChg chg="add mod">
+          <ac:chgData name="Krishna Kant Dubey" userId="cd28fa1e1902c48d" providerId="LiveId" clId="{9D7DB283-8459-4206-96E2-B01EAFFF9444}" dt="2025-08-11T06:11:43.046" v="221"/>
+          <ac:picMkLst>
+            <pc:docMk/>
+            <pc:sldMk cId="2381247086" sldId="257"/>
+            <ac:picMk id="3" creationId="{49D86A38-3EE8-3EE8-6AF2-C0DB66DB3443}"/>
+          </ac:picMkLst>
+        </pc:picChg>
+      </pc:sldChg>
       <pc:sldChg chg="modSp mod">
         <pc:chgData name="Krishna Kant Dubey" userId="cd28fa1e1902c48d" providerId="LiveId" clId="{9D7DB283-8459-4206-96E2-B01EAFFF9444}" dt="2025-08-08T09:42:06.863" v="6" actId="207"/>
         <pc:sldMkLst>
@@ -1027,14 +746,6 @@
           <pc:docMk/>
           <pc:sldMk cId="1248854694" sldId="262"/>
         </pc:sldMkLst>
-        <pc:spChg chg="del mod">
-          <ac:chgData name="Krishna Kant Dubey" userId="cd28fa1e1902c48d" providerId="LiveId" clId="{9D7DB283-8459-4206-96E2-B01EAFFF9444}" dt="2025-08-08T09:43:25.725" v="10" actId="3680"/>
-          <ac:spMkLst>
-            <pc:docMk/>
-            <pc:sldMk cId="1248854694" sldId="262"/>
-            <ac:spMk id="3" creationId="{F4F21FAC-EB88-4BC1-8687-3E32C62F0612}"/>
-          </ac:spMkLst>
-        </pc:spChg>
         <pc:spChg chg="mod">
           <ac:chgData name="Krishna Kant Dubey" userId="cd28fa1e1902c48d" providerId="LiveId" clId="{9D7DB283-8459-4206-96E2-B01EAFFF9444}" dt="2025-08-08T09:52:06.685" v="45" actId="207"/>
           <ac:spMkLst>
@@ -1097,14 +808,6 @@
             <ac:spMk id="12" creationId="{C4BAF04C-05FA-01F0-9477-3DF5B7CA5EBB}"/>
           </ac:spMkLst>
         </pc:spChg>
-        <pc:graphicFrameChg chg="del">
-          <ac:chgData name="Krishna Kant Dubey" userId="cd28fa1e1902c48d" providerId="LiveId" clId="{9D7DB283-8459-4206-96E2-B01EAFFF9444}" dt="2025-08-08T10:00:26.850" v="69" actId="478"/>
-          <ac:graphicFrameMkLst>
-            <pc:docMk/>
-            <pc:sldMk cId="3493401632" sldId="264"/>
-            <ac:graphicFrameMk id="2" creationId="{30A13269-7C92-01D8-9D84-FC05DCF6CBC6}"/>
-          </ac:graphicFrameMkLst>
-        </pc:graphicFrameChg>
         <pc:picChg chg="mod">
           <ac:chgData name="Krishna Kant Dubey" userId="cd28fa1e1902c48d" providerId="LiveId" clId="{9D7DB283-8459-4206-96E2-B01EAFFF9444}" dt="2025-08-08T10:01:20.466" v="107" actId="1076"/>
           <ac:picMkLst>
@@ -1193,14 +896,6 @@
             <ac:spMk id="2" creationId="{89CE0020-367A-7A16-22EA-15386A3143C0}"/>
           </ac:spMkLst>
         </pc:spChg>
-        <pc:spChg chg="del">
-          <ac:chgData name="Krishna Kant Dubey" userId="cd28fa1e1902c48d" providerId="LiveId" clId="{9D7DB283-8459-4206-96E2-B01EAFFF9444}" dt="2025-08-08T10:13:04.293" v="147" actId="3680"/>
-          <ac:spMkLst>
-            <pc:docMk/>
-            <pc:sldMk cId="1989374203" sldId="271"/>
-            <ac:spMk id="3" creationId="{4C8A167A-BD43-1AAE-7F80-29F9CCB9E35B}"/>
-          </ac:spMkLst>
-        </pc:spChg>
         <pc:graphicFrameChg chg="add mod ord modGraphic">
           <ac:chgData name="Krishna Kant Dubey" userId="cd28fa1e1902c48d" providerId="LiveId" clId="{9D7DB283-8459-4206-96E2-B01EAFFF9444}" dt="2025-08-08T10:33:27.901" v="198" actId="12385"/>
           <ac:graphicFrameMkLst>
@@ -1232,14 +927,6 @@
             <ac:spMk id="5" creationId="{A31FC320-82CC-A142-26C7-F167A7E9098A}"/>
           </ac:spMkLst>
         </pc:spChg>
-        <pc:graphicFrameChg chg="del modGraphic">
-          <ac:chgData name="Krishna Kant Dubey" userId="cd28fa1e1902c48d" providerId="LiveId" clId="{9D7DB283-8459-4206-96E2-B01EAFFF9444}" dt="2025-08-08T10:34:01.377" v="200" actId="478"/>
-          <ac:graphicFrameMkLst>
-            <pc:docMk/>
-            <pc:sldMk cId="3540460090" sldId="272"/>
-            <ac:graphicFrameMk id="4" creationId="{031AB529-8985-4BF7-2118-9D5309565462}"/>
-          </ac:graphicFrameMkLst>
-        </pc:graphicFrameChg>
       </pc:sldChg>
     </pc:docChg>
   </pc:docChgLst>
@@ -1707,7 +1394,7 @@
           <a:p>
             <a:fld id="{771BC1E5-8BD3-45A8-A8D4-BE6B8D3F526F}" type="datetimeFigureOut">
               <a:rPr lang="en-IN" smtClean="0"/>
-              <a:t>08-08-2025</a:t>
+              <a:t>11-08-2025</a:t>
             </a:fld>
             <a:endParaRPr lang="en-IN"/>
           </a:p>
@@ -2124,7 +1811,7 @@
           <a:p>
             <a:fld id="{8B8265E5-5E35-4F50-869B-ACC7CF337DF9}" type="datetimeFigureOut">
               <a:rPr lang="en-IN" smtClean="0"/>
-              <a:t>08-08-2025</a:t>
+              <a:t>11-08-2025</a:t>
             </a:fld>
             <a:endParaRPr lang="en-IN"/>
           </a:p>
@@ -2324,7 +2011,7 @@
           <a:p>
             <a:fld id="{8B8265E5-5E35-4F50-869B-ACC7CF337DF9}" type="datetimeFigureOut">
               <a:rPr lang="en-IN" smtClean="0"/>
-              <a:t>08-08-2025</a:t>
+              <a:t>11-08-2025</a:t>
             </a:fld>
             <a:endParaRPr lang="en-IN"/>
           </a:p>
@@ -2534,7 +2221,7 @@
           <a:p>
             <a:fld id="{8B8265E5-5E35-4F50-869B-ACC7CF337DF9}" type="datetimeFigureOut">
               <a:rPr lang="en-IN" smtClean="0"/>
-              <a:t>08-08-2025</a:t>
+              <a:t>11-08-2025</a:t>
             </a:fld>
             <a:endParaRPr lang="en-IN"/>
           </a:p>
@@ -2734,7 +2421,7 @@
           <a:p>
             <a:fld id="{8B8265E5-5E35-4F50-869B-ACC7CF337DF9}" type="datetimeFigureOut">
               <a:rPr lang="en-IN" smtClean="0"/>
-              <a:t>08-08-2025</a:t>
+              <a:t>11-08-2025</a:t>
             </a:fld>
             <a:endParaRPr lang="en-IN"/>
           </a:p>
@@ -3010,7 +2697,7 @@
           <a:p>
             <a:fld id="{8B8265E5-5E35-4F50-869B-ACC7CF337DF9}" type="datetimeFigureOut">
               <a:rPr lang="en-IN" smtClean="0"/>
-              <a:t>08-08-2025</a:t>
+              <a:t>11-08-2025</a:t>
             </a:fld>
             <a:endParaRPr lang="en-IN"/>
           </a:p>
@@ -3278,7 +2965,7 @@
           <a:p>
             <a:fld id="{8B8265E5-5E35-4F50-869B-ACC7CF337DF9}" type="datetimeFigureOut">
               <a:rPr lang="en-IN" smtClean="0"/>
-              <a:t>08-08-2025</a:t>
+              <a:t>11-08-2025</a:t>
             </a:fld>
             <a:endParaRPr lang="en-IN"/>
           </a:p>
@@ -3693,7 +3380,7 @@
           <a:p>
             <a:fld id="{8B8265E5-5E35-4F50-869B-ACC7CF337DF9}" type="datetimeFigureOut">
               <a:rPr lang="en-IN" smtClean="0"/>
-              <a:t>08-08-2025</a:t>
+              <a:t>11-08-2025</a:t>
             </a:fld>
             <a:endParaRPr lang="en-IN"/>
           </a:p>
@@ -3835,7 +3522,7 @@
           <a:p>
             <a:fld id="{8B8265E5-5E35-4F50-869B-ACC7CF337DF9}" type="datetimeFigureOut">
               <a:rPr lang="en-IN" smtClean="0"/>
-              <a:t>08-08-2025</a:t>
+              <a:t>11-08-2025</a:t>
             </a:fld>
             <a:endParaRPr lang="en-IN"/>
           </a:p>
@@ -3948,7 +3635,7 @@
           <a:p>
             <a:fld id="{8B8265E5-5E35-4F50-869B-ACC7CF337DF9}" type="datetimeFigureOut">
               <a:rPr lang="en-IN" smtClean="0"/>
-              <a:t>08-08-2025</a:t>
+              <a:t>11-08-2025</a:t>
             </a:fld>
             <a:endParaRPr lang="en-IN"/>
           </a:p>
@@ -4261,7 +3948,7 @@
           <a:p>
             <a:fld id="{8B8265E5-5E35-4F50-869B-ACC7CF337DF9}" type="datetimeFigureOut">
               <a:rPr lang="en-IN" smtClean="0"/>
-              <a:t>08-08-2025</a:t>
+              <a:t>11-08-2025</a:t>
             </a:fld>
             <a:endParaRPr lang="en-IN"/>
           </a:p>
@@ -4550,7 +4237,7 @@
           <a:p>
             <a:fld id="{8B8265E5-5E35-4F50-869B-ACC7CF337DF9}" type="datetimeFigureOut">
               <a:rPr lang="en-IN" smtClean="0"/>
-              <a:t>08-08-2025</a:t>
+              <a:t>11-08-2025</a:t>
             </a:fld>
             <a:endParaRPr lang="en-IN"/>
           </a:p>
@@ -4793,7 +4480,7 @@
           <a:p>
             <a:fld id="{8B8265E5-5E35-4F50-869B-ACC7CF337DF9}" type="datetimeFigureOut">
               <a:rPr lang="en-IN" smtClean="0"/>
-              <a:t>08-08-2025</a:t>
+              <a:t>11-08-2025</a:t>
             </a:fld>
             <a:endParaRPr lang="en-IN"/>
           </a:p>
@@ -5342,6 +5029,41 @@
           </a:p>
         </p:txBody>
       </p:sp>
+      <p:pic>
+        <p:nvPicPr>
+          <p:cNvPr id="3" name="Content Placeholder 4">
+            <a:extLst>
+              <a:ext uri="{FF2B5EF4-FFF2-40B4-BE49-F238E27FC236}">
+                <a16:creationId xmlns:a16="http://schemas.microsoft.com/office/drawing/2014/main" id="{49D86A38-3EE8-3EE8-6AF2-C0DB66DB3443}"/>
+              </a:ext>
+            </a:extLst>
+          </p:cNvPr>
+          <p:cNvPicPr>
+            <a:picLocks noGrp="1" noChangeAspect="1"/>
+          </p:cNvPicPr>
+          <p:nvPr/>
+        </p:nvPicPr>
+        <p:blipFill>
+          <a:blip r:embed="rId4">
+            <a:extLst>
+              <a:ext uri="{28A0092B-C50C-407E-A947-70E740481C1C}">
+                <a14:useLocalDpi xmlns:a14="http://schemas.microsoft.com/office/drawing/2010/main" val="0"/>
+              </a:ext>
+            </a:extLst>
+          </a:blip>
+          <a:srcRect/>
+          <a:stretch/>
+        </p:blipFill>
+        <p:spPr>
+          <a:xfrm>
+            <a:off x="-3047" y="0"/>
+            <a:ext cx="12198095" cy="6858000"/>
+          </a:xfrm>
+          <a:prstGeom prst="rect">
+            <a:avLst/>
+          </a:prstGeom>
+        </p:spPr>
+      </p:pic>
     </p:spTree>
     <p:extLst>
       <p:ext uri="{BB962C8B-B14F-4D97-AF65-F5344CB8AC3E}">
